--- a/Case Study 1.pptx
+++ b/Case Study 1.pptx
@@ -6,26 +6,27 @@
   </p:sldMasterIdLst>
   <p:sldIdLst>
     <p:sldId id="256" r:id="rId2"/>
-    <p:sldId id="257" r:id="rId3"/>
-    <p:sldId id="258" r:id="rId4"/>
-    <p:sldId id="259" r:id="rId5"/>
-    <p:sldId id="260" r:id="rId6"/>
-    <p:sldId id="261" r:id="rId7"/>
-    <p:sldId id="262" r:id="rId8"/>
-    <p:sldId id="263" r:id="rId9"/>
-    <p:sldId id="267" r:id="rId10"/>
-    <p:sldId id="264" r:id="rId11"/>
-    <p:sldId id="266" r:id="rId12"/>
-    <p:sldId id="265" r:id="rId13"/>
-    <p:sldId id="268" r:id="rId14"/>
-    <p:sldId id="269" r:id="rId15"/>
-    <p:sldId id="271" r:id="rId16"/>
-    <p:sldId id="270" r:id="rId17"/>
-    <p:sldId id="272" r:id="rId18"/>
-    <p:sldId id="273" r:id="rId19"/>
-    <p:sldId id="274" r:id="rId20"/>
-    <p:sldId id="275" r:id="rId21"/>
-    <p:sldId id="276" r:id="rId22"/>
+    <p:sldId id="277" r:id="rId3"/>
+    <p:sldId id="257" r:id="rId4"/>
+    <p:sldId id="258" r:id="rId5"/>
+    <p:sldId id="259" r:id="rId6"/>
+    <p:sldId id="260" r:id="rId7"/>
+    <p:sldId id="261" r:id="rId8"/>
+    <p:sldId id="262" r:id="rId9"/>
+    <p:sldId id="263" r:id="rId10"/>
+    <p:sldId id="267" r:id="rId11"/>
+    <p:sldId id="264" r:id="rId12"/>
+    <p:sldId id="266" r:id="rId13"/>
+    <p:sldId id="265" r:id="rId14"/>
+    <p:sldId id="268" r:id="rId15"/>
+    <p:sldId id="269" r:id="rId16"/>
+    <p:sldId id="271" r:id="rId17"/>
+    <p:sldId id="270" r:id="rId18"/>
+    <p:sldId id="272" r:id="rId19"/>
+    <p:sldId id="273" r:id="rId20"/>
+    <p:sldId id="274" r:id="rId21"/>
+    <p:sldId id="275" r:id="rId22"/>
+    <p:sldId id="276" r:id="rId23"/>
   </p:sldIdLst>
   <p:sldSz cx="9144000" cy="6858000" type="screen4x3"/>
   <p:notesSz cx="6858000" cy="9144000"/>
@@ -2389,6 +2390,119 @@
           <a:p>
             <a:r>
               <a:rPr lang="en-US" dirty="0"/>
+              <a:t>ABV Distribution</a:t>
+            </a:r>
+          </a:p>
+        </p:txBody>
+      </p:sp>
+      <p:sp>
+        <p:nvSpPr>
+          <p:cNvPr id="3" name="Content Placeholder 2">
+            <a:extLst>
+              <a:ext uri="{FF2B5EF4-FFF2-40B4-BE49-F238E27FC236}">
+                <a16:creationId xmlns:a16="http://schemas.microsoft.com/office/drawing/2014/main" id="{7F18EBBA-B4C5-4D77-A567-08DD7F8699BC}"/>
+              </a:ext>
+            </a:extLst>
+          </p:cNvPr>
+          <p:cNvSpPr>
+            <a:spLocks noGrp="1"/>
+          </p:cNvSpPr>
+          <p:nvPr>
+            <p:ph idx="1"/>
+          </p:nvPr>
+        </p:nvSpPr>
+        <p:spPr/>
+        <p:txBody>
+          <a:bodyPr/>
+          <a:lstStyle/>
+          <a:p>
+            <a:endParaRPr lang="en-US"/>
+          </a:p>
+        </p:txBody>
+      </p:sp>
+      <p:pic>
+        <p:nvPicPr>
+          <p:cNvPr id="4" name="Picture 3">
+            <a:extLst>
+              <a:ext uri="{FF2B5EF4-FFF2-40B4-BE49-F238E27FC236}">
+                <a16:creationId xmlns:a16="http://schemas.microsoft.com/office/drawing/2014/main" id="{03BF1ADD-8E0A-41E7-90D0-BC9E9DA78E7F}"/>
+              </a:ext>
+            </a:extLst>
+          </p:cNvPr>
+          <p:cNvPicPr>
+            <a:picLocks noChangeAspect="1"/>
+          </p:cNvPicPr>
+          <p:nvPr/>
+        </p:nvPicPr>
+        <p:blipFill>
+          <a:blip r:embed="rId2"/>
+          <a:stretch>
+            <a:fillRect/>
+          </a:stretch>
+        </p:blipFill>
+        <p:spPr>
+          <a:xfrm>
+            <a:off x="281348" y="1371600"/>
+            <a:ext cx="8581304" cy="5302523"/>
+          </a:xfrm>
+          <a:prstGeom prst="rect">
+            <a:avLst/>
+          </a:prstGeom>
+        </p:spPr>
+      </p:pic>
+    </p:spTree>
+    <p:extLst>
+      <p:ext uri="{BB962C8B-B14F-4D97-AF65-F5344CB8AC3E}">
+        <p14:creationId xmlns:p14="http://schemas.microsoft.com/office/powerpoint/2010/main" val="348498641"/>
+      </p:ext>
+    </p:extLst>
+  </p:cSld>
+  <p:clrMapOvr>
+    <a:masterClrMapping/>
+  </p:clrMapOvr>
+</p:sld>
+</file>
+
+<file path=ppt/slides/slide11.xml><?xml version="1.0" encoding="utf-8"?>
+<p:sld xmlns:a="http://schemas.openxmlformats.org/drawingml/2006/main" xmlns:r="http://schemas.openxmlformats.org/officeDocument/2006/relationships" xmlns:p="http://schemas.openxmlformats.org/presentationml/2006/main">
+  <p:cSld>
+    <p:spTree>
+      <p:nvGrpSpPr>
+        <p:cNvPr id="1" name=""/>
+        <p:cNvGrpSpPr/>
+        <p:nvPr/>
+      </p:nvGrpSpPr>
+      <p:grpSpPr>
+        <a:xfrm>
+          <a:off x="0" y="0"/>
+          <a:ext cx="0" cy="0"/>
+          <a:chOff x="0" y="0"/>
+          <a:chExt cx="0" cy="0"/>
+        </a:xfrm>
+      </p:grpSpPr>
+      <p:sp>
+        <p:nvSpPr>
+          <p:cNvPr id="2" name="Title 1">
+            <a:extLst>
+              <a:ext uri="{FF2B5EF4-FFF2-40B4-BE49-F238E27FC236}">
+                <a16:creationId xmlns:a16="http://schemas.microsoft.com/office/drawing/2014/main" id="{600C4FD4-8369-49E8-90AC-11ABB585CDB0}"/>
+              </a:ext>
+            </a:extLst>
+          </p:cNvPr>
+          <p:cNvSpPr>
+            <a:spLocks noGrp="1"/>
+          </p:cNvSpPr>
+          <p:nvPr>
+            <p:ph type="title"/>
+          </p:nvPr>
+        </p:nvSpPr>
+        <p:spPr/>
+        <p:txBody>
+          <a:bodyPr/>
+          <a:lstStyle/>
+          <a:p>
+            <a:r>
+              <a:rPr lang="en-US" dirty="0"/>
               <a:t>ABV vs. IBU</a:t>
             </a:r>
           </a:p>
@@ -2462,7 +2576,7 @@
 </p:sld>
 </file>
 
-<file path=ppt/slides/slide11.xml><?xml version="1.0" encoding="utf-8"?>
+<file path=ppt/slides/slide12.xml><?xml version="1.0" encoding="utf-8"?>
 <p:sld xmlns:a="http://schemas.openxmlformats.org/drawingml/2006/main" xmlns:r="http://schemas.openxmlformats.org/officeDocument/2006/relationships" xmlns:p="http://schemas.openxmlformats.org/presentationml/2006/main">
   <p:cSld>
     <p:spTree>
@@ -2584,7 +2698,7 @@
 </p:sld>
 </file>
 
-<file path=ppt/slides/slide12.xml><?xml version="1.0" encoding="utf-8"?>
+<file path=ppt/slides/slide13.xml><?xml version="1.0" encoding="utf-8"?>
 <p:sld xmlns:a="http://schemas.openxmlformats.org/drawingml/2006/main" xmlns:r="http://schemas.openxmlformats.org/officeDocument/2006/relationships" xmlns:p="http://schemas.openxmlformats.org/presentationml/2006/main">
   <p:cSld>
     <p:spTree>
@@ -2697,7 +2811,7 @@
 </p:sld>
 </file>
 
-<file path=ppt/slides/slide13.xml><?xml version="1.0" encoding="utf-8"?>
+<file path=ppt/slides/slide14.xml><?xml version="1.0" encoding="utf-8"?>
 <p:sld xmlns:a="http://schemas.openxmlformats.org/drawingml/2006/main" xmlns:r="http://schemas.openxmlformats.org/officeDocument/2006/relationships" xmlns:p="http://schemas.openxmlformats.org/presentationml/2006/main">
   <p:cSld>
     <p:spTree>
@@ -2801,7 +2915,7 @@
 </p:sld>
 </file>
 
-<file path=ppt/slides/slide14.xml><?xml version="1.0" encoding="utf-8"?>
+<file path=ppt/slides/slide15.xml><?xml version="1.0" encoding="utf-8"?>
 <p:sld xmlns:a="http://schemas.openxmlformats.org/drawingml/2006/main" xmlns:r="http://schemas.openxmlformats.org/officeDocument/2006/relationships" xmlns:p="http://schemas.openxmlformats.org/presentationml/2006/main">
   <p:cSld>
     <p:spTree>
@@ -2917,7 +3031,7 @@
 </p:sld>
 </file>
 
-<file path=ppt/slides/slide15.xml><?xml version="1.0" encoding="utf-8"?>
+<file path=ppt/slides/slide16.xml><?xml version="1.0" encoding="utf-8"?>
 <p:sld xmlns:a="http://schemas.openxmlformats.org/drawingml/2006/main" xmlns:r="http://schemas.openxmlformats.org/officeDocument/2006/relationships" xmlns:p="http://schemas.openxmlformats.org/presentationml/2006/main">
   <p:cSld>
     <p:spTree>
@@ -3039,7 +3153,7 @@
 </p:sld>
 </file>
 
-<file path=ppt/slides/slide16.xml><?xml version="1.0" encoding="utf-8"?>
+<file path=ppt/slides/slide17.xml><?xml version="1.0" encoding="utf-8"?>
 <p:sld xmlns:a="http://schemas.openxmlformats.org/drawingml/2006/main" xmlns:r="http://schemas.openxmlformats.org/officeDocument/2006/relationships" xmlns:p="http://schemas.openxmlformats.org/presentationml/2006/main">
   <p:cSld>
     <p:spTree>
@@ -3155,7 +3269,7 @@
 </p:sld>
 </file>
 
-<file path=ppt/slides/slide17.xml><?xml version="1.0" encoding="utf-8"?>
+<file path=ppt/slides/slide18.xml><?xml version="1.0" encoding="utf-8"?>
 <p:sld xmlns:a="http://schemas.openxmlformats.org/drawingml/2006/main" xmlns:r="http://schemas.openxmlformats.org/officeDocument/2006/relationships" xmlns:p="http://schemas.openxmlformats.org/presentationml/2006/main">
   <p:cSld>
     <p:spTree>
@@ -3277,7 +3391,7 @@
 </p:sld>
 </file>
 
-<file path=ppt/slides/slide18.xml><?xml version="1.0" encoding="utf-8"?>
+<file path=ppt/slides/slide19.xml><?xml version="1.0" encoding="utf-8"?>
 <p:sld xmlns:a="http://schemas.openxmlformats.org/drawingml/2006/main" xmlns:r="http://schemas.openxmlformats.org/officeDocument/2006/relationships" xmlns:p="http://schemas.openxmlformats.org/presentationml/2006/main">
   <p:cSld>
     <p:spTree>
@@ -3390,138 +3504,6 @@
 </p:sld>
 </file>
 
-<file path=ppt/slides/slide19.xml><?xml version="1.0" encoding="utf-8"?>
-<p:sld xmlns:a="http://schemas.openxmlformats.org/drawingml/2006/main" xmlns:r="http://schemas.openxmlformats.org/officeDocument/2006/relationships" xmlns:p="http://schemas.openxmlformats.org/presentationml/2006/main">
-  <p:cSld>
-    <p:spTree>
-      <p:nvGrpSpPr>
-        <p:cNvPr id="1" name=""/>
-        <p:cNvGrpSpPr/>
-        <p:nvPr/>
-      </p:nvGrpSpPr>
-      <p:grpSpPr>
-        <a:xfrm>
-          <a:off x="0" y="0"/>
-          <a:ext cx="0" cy="0"/>
-          <a:chOff x="0" y="0"/>
-          <a:chExt cx="0" cy="0"/>
-        </a:xfrm>
-      </p:grpSpPr>
-      <p:sp>
-        <p:nvSpPr>
-          <p:cNvPr id="2" name="Title 1">
-            <a:extLst>
-              <a:ext uri="{FF2B5EF4-FFF2-40B4-BE49-F238E27FC236}">
-                <a16:creationId xmlns:a16="http://schemas.microsoft.com/office/drawing/2014/main" id="{B2582DB4-ED58-4951-8BC1-E5285A4655E8}"/>
-              </a:ext>
-            </a:extLst>
-          </p:cNvPr>
-          <p:cNvSpPr>
-            <a:spLocks noGrp="1"/>
-          </p:cNvSpPr>
-          <p:nvPr>
-            <p:ph type="title"/>
-          </p:nvPr>
-        </p:nvSpPr>
-        <p:spPr/>
-        <p:txBody>
-          <a:bodyPr/>
-          <a:lstStyle/>
-          <a:p>
-            <a:r>
-              <a:rPr lang="en-US" dirty="0"/>
-              <a:t>Most Common Words in Names</a:t>
-            </a:r>
-          </a:p>
-        </p:txBody>
-      </p:sp>
-      <p:sp>
-        <p:nvSpPr>
-          <p:cNvPr id="3" name="Content Placeholder 2">
-            <a:extLst>
-              <a:ext uri="{FF2B5EF4-FFF2-40B4-BE49-F238E27FC236}">
-                <a16:creationId xmlns:a16="http://schemas.microsoft.com/office/drawing/2014/main" id="{2509D998-1D69-43D4-9CE5-989FCBC09DA3}"/>
-              </a:ext>
-            </a:extLst>
-          </p:cNvPr>
-          <p:cNvSpPr>
-            <a:spLocks noGrp="1"/>
-          </p:cNvSpPr>
-          <p:nvPr>
-            <p:ph idx="1"/>
-          </p:nvPr>
-        </p:nvSpPr>
-        <p:spPr/>
-        <p:txBody>
-          <a:bodyPr/>
-          <a:lstStyle/>
-          <a:p>
-            <a:r>
-              <a:rPr lang="en-US" dirty="0"/>
-              <a:t>The most common naming convention for beers is to name it by the type of beer</a:t>
-            </a:r>
-          </a:p>
-          <a:p>
-            <a:pPr lvl="1"/>
-            <a:r>
-              <a:rPr lang="en-US" dirty="0"/>
-              <a:t>“Ale” is top choice</a:t>
-            </a:r>
-          </a:p>
-          <a:p>
-            <a:r>
-              <a:rPr lang="en-US" dirty="0"/>
-              <a:t>“of”</a:t>
-            </a:r>
-          </a:p>
-          <a:p>
-            <a:pPr lvl="1"/>
-            <a:r>
-              <a:rPr lang="en-US" dirty="0"/>
-              <a:t>complex name, may not be attributed to type</a:t>
-            </a:r>
-          </a:p>
-          <a:p>
-            <a:r>
-              <a:rPr lang="en-US" dirty="0"/>
-              <a:t>“Barrel” and “Old”</a:t>
-            </a:r>
-          </a:p>
-          <a:p>
-            <a:pPr lvl="1"/>
-            <a:r>
-              <a:rPr lang="en-US" dirty="0"/>
-              <a:t>Aged beers</a:t>
-            </a:r>
-          </a:p>
-          <a:p>
-            <a:r>
-              <a:rPr lang="en-US" dirty="0"/>
-              <a:t>Years</a:t>
-            </a:r>
-          </a:p>
-          <a:p>
-            <a:pPr lvl="1"/>
-            <a:r>
-              <a:rPr lang="en-US" dirty="0"/>
-              <a:t>Good year for hops or an experimental year</a:t>
-            </a:r>
-          </a:p>
-        </p:txBody>
-      </p:sp>
-    </p:spTree>
-    <p:extLst>
-      <p:ext uri="{BB962C8B-B14F-4D97-AF65-F5344CB8AC3E}">
-        <p14:creationId xmlns:p14="http://schemas.microsoft.com/office/powerpoint/2010/main" val="2079192367"/>
-      </p:ext>
-    </p:extLst>
-  </p:cSld>
-  <p:clrMapOvr>
-    <a:masterClrMapping/>
-  </p:clrMapOvr>
-</p:sld>
-</file>
-
 <file path=ppt/slides/slide2.xml><?xml version="1.0" encoding="utf-8"?>
 <p:sld xmlns:a="http://schemas.openxmlformats.org/drawingml/2006/main" xmlns:r="http://schemas.openxmlformats.org/officeDocument/2006/relationships" xmlns:p="http://schemas.openxmlformats.org/presentationml/2006/main">
   <p:cSld>
@@ -3544,7 +3526,7 @@
           <p:cNvPr id="2" name="Title 1">
             <a:extLst>
               <a:ext uri="{FF2B5EF4-FFF2-40B4-BE49-F238E27FC236}">
-                <a16:creationId xmlns:a16="http://schemas.microsoft.com/office/drawing/2014/main" id="{2911A32B-BF03-470F-AA6F-D4B03CD5759A}"/>
+                <a16:creationId xmlns:a16="http://schemas.microsoft.com/office/drawing/2014/main" id="{9E3BE2A3-59DC-4676-9D8C-2942DB046023}"/>
               </a:ext>
             </a:extLst>
           </p:cNvPr>
@@ -3562,7 +3544,7 @@
           <a:p>
             <a:r>
               <a:rPr lang="en-US" dirty="0"/>
-              <a:t>Breweries in Each State</a:t>
+              <a:t>GITHUB LINK</a:t>
             </a:r>
           </a:p>
         </p:txBody>
@@ -3572,7 +3554,7 @@
           <p:cNvPr id="3" name="Content Placeholder 2">
             <a:extLst>
               <a:ext uri="{FF2B5EF4-FFF2-40B4-BE49-F238E27FC236}">
-                <a16:creationId xmlns:a16="http://schemas.microsoft.com/office/drawing/2014/main" id="{00FA8492-C9A1-4A02-8697-1BFB3A1092CC}"/>
+                <a16:creationId xmlns:a16="http://schemas.microsoft.com/office/drawing/2014/main" id="{56BBCE8C-63F7-4CE7-9BE5-9C7AA26B15E5}"/>
               </a:ext>
             </a:extLst>
           </p:cNvPr>
@@ -3583,63 +3565,22 @@
             <p:ph idx="1"/>
           </p:nvPr>
         </p:nvSpPr>
-        <p:spPr>
-          <a:xfrm>
-            <a:off x="457199" y="1600200"/>
-            <a:ext cx="8229599" cy="4525963"/>
-          </a:xfrm>
-        </p:spPr>
-        <p:txBody>
-          <a:bodyPr/>
-          <a:lstStyle/>
-          <a:p>
-            <a:r>
-              <a:rPr lang="en-US" dirty="0"/>
-              <a:t>Top states for breweries are: CO, CA, MI, and OR</a:t>
-            </a:r>
-          </a:p>
-          <a:p>
-            <a:r>
-              <a:rPr lang="en-US" dirty="0"/>
-              <a:t>States with the least breweries are: DC, ND, SD, WV</a:t>
-            </a:r>
-          </a:p>
-        </p:txBody>
-      </p:sp>
-      <p:pic>
-        <p:nvPicPr>
-          <p:cNvPr id="4" name="Picture 3">
-            <a:extLst>
-              <a:ext uri="{FF2B5EF4-FFF2-40B4-BE49-F238E27FC236}">
-                <a16:creationId xmlns:a16="http://schemas.microsoft.com/office/drawing/2014/main" id="{2C752BD3-870D-4AEC-8F60-B8932C98C3EC}"/>
-              </a:ext>
-            </a:extLst>
-          </p:cNvPr>
-          <p:cNvPicPr>
-            <a:picLocks noChangeAspect="1"/>
-          </p:cNvPicPr>
-          <p:nvPr/>
-        </p:nvPicPr>
-        <p:blipFill>
-          <a:blip r:embed="rId2"/>
-          <a:stretch>
-            <a:fillRect/>
-          </a:stretch>
-        </p:blipFill>
-        <p:spPr>
-          <a:xfrm>
-            <a:off x="1304737" y="4670342"/>
-            <a:ext cx="6534521" cy="1455821"/>
-          </a:xfrm>
-          <a:prstGeom prst="rect">
-            <a:avLst/>
-          </a:prstGeom>
-        </p:spPr>
-      </p:pic>
+        <p:spPr/>
+        <p:txBody>
+          <a:bodyPr/>
+          <a:lstStyle/>
+          <a:p>
+            <a:r>
+              <a:rPr lang="en-US"/>
+              <a:t>https://github.com/jules-stacy/DS6306_Case_Study_01.git</a:t>
+            </a:r>
+          </a:p>
+        </p:txBody>
+      </p:sp>
     </p:spTree>
     <p:extLst>
       <p:ext uri="{BB962C8B-B14F-4D97-AF65-F5344CB8AC3E}">
-        <p14:creationId xmlns:p14="http://schemas.microsoft.com/office/powerpoint/2010/main" val="635088177"/>
+        <p14:creationId xmlns:p14="http://schemas.microsoft.com/office/powerpoint/2010/main" val="2491290812"/>
       </p:ext>
     </p:extLst>
   </p:cSld>
@@ -3650,6 +3591,138 @@
 </file>
 
 <file path=ppt/slides/slide20.xml><?xml version="1.0" encoding="utf-8"?>
+<p:sld xmlns:a="http://schemas.openxmlformats.org/drawingml/2006/main" xmlns:r="http://schemas.openxmlformats.org/officeDocument/2006/relationships" xmlns:p="http://schemas.openxmlformats.org/presentationml/2006/main">
+  <p:cSld>
+    <p:spTree>
+      <p:nvGrpSpPr>
+        <p:cNvPr id="1" name=""/>
+        <p:cNvGrpSpPr/>
+        <p:nvPr/>
+      </p:nvGrpSpPr>
+      <p:grpSpPr>
+        <a:xfrm>
+          <a:off x="0" y="0"/>
+          <a:ext cx="0" cy="0"/>
+          <a:chOff x="0" y="0"/>
+          <a:chExt cx="0" cy="0"/>
+        </a:xfrm>
+      </p:grpSpPr>
+      <p:sp>
+        <p:nvSpPr>
+          <p:cNvPr id="2" name="Title 1">
+            <a:extLst>
+              <a:ext uri="{FF2B5EF4-FFF2-40B4-BE49-F238E27FC236}">
+                <a16:creationId xmlns:a16="http://schemas.microsoft.com/office/drawing/2014/main" id="{B2582DB4-ED58-4951-8BC1-E5285A4655E8}"/>
+              </a:ext>
+            </a:extLst>
+          </p:cNvPr>
+          <p:cNvSpPr>
+            <a:spLocks noGrp="1"/>
+          </p:cNvSpPr>
+          <p:nvPr>
+            <p:ph type="title"/>
+          </p:nvPr>
+        </p:nvSpPr>
+        <p:spPr/>
+        <p:txBody>
+          <a:bodyPr/>
+          <a:lstStyle/>
+          <a:p>
+            <a:r>
+              <a:rPr lang="en-US" dirty="0"/>
+              <a:t>Most Common Words in Names</a:t>
+            </a:r>
+          </a:p>
+        </p:txBody>
+      </p:sp>
+      <p:sp>
+        <p:nvSpPr>
+          <p:cNvPr id="3" name="Content Placeholder 2">
+            <a:extLst>
+              <a:ext uri="{FF2B5EF4-FFF2-40B4-BE49-F238E27FC236}">
+                <a16:creationId xmlns:a16="http://schemas.microsoft.com/office/drawing/2014/main" id="{2509D998-1D69-43D4-9CE5-989FCBC09DA3}"/>
+              </a:ext>
+            </a:extLst>
+          </p:cNvPr>
+          <p:cNvSpPr>
+            <a:spLocks noGrp="1"/>
+          </p:cNvSpPr>
+          <p:nvPr>
+            <p:ph idx="1"/>
+          </p:nvPr>
+        </p:nvSpPr>
+        <p:spPr/>
+        <p:txBody>
+          <a:bodyPr/>
+          <a:lstStyle/>
+          <a:p>
+            <a:r>
+              <a:rPr lang="en-US" dirty="0"/>
+              <a:t>The most common naming convention for beers is to name it by the type of beer</a:t>
+            </a:r>
+          </a:p>
+          <a:p>
+            <a:pPr lvl="1"/>
+            <a:r>
+              <a:rPr lang="en-US" dirty="0"/>
+              <a:t>“Ale” is top choice</a:t>
+            </a:r>
+          </a:p>
+          <a:p>
+            <a:r>
+              <a:rPr lang="en-US" dirty="0"/>
+              <a:t>“of”</a:t>
+            </a:r>
+          </a:p>
+          <a:p>
+            <a:pPr lvl="1"/>
+            <a:r>
+              <a:rPr lang="en-US" dirty="0"/>
+              <a:t>complex name, may not be attributed to type</a:t>
+            </a:r>
+          </a:p>
+          <a:p>
+            <a:r>
+              <a:rPr lang="en-US" dirty="0"/>
+              <a:t>“Barrel” and “Old”</a:t>
+            </a:r>
+          </a:p>
+          <a:p>
+            <a:pPr lvl="1"/>
+            <a:r>
+              <a:rPr lang="en-US" dirty="0"/>
+              <a:t>Aged beers</a:t>
+            </a:r>
+          </a:p>
+          <a:p>
+            <a:r>
+              <a:rPr lang="en-US" dirty="0"/>
+              <a:t>Years</a:t>
+            </a:r>
+          </a:p>
+          <a:p>
+            <a:pPr lvl="1"/>
+            <a:r>
+              <a:rPr lang="en-US" dirty="0"/>
+              <a:t>Good year for hops or an experimental year</a:t>
+            </a:r>
+          </a:p>
+        </p:txBody>
+      </p:sp>
+    </p:spTree>
+    <p:extLst>
+      <p:ext uri="{BB962C8B-B14F-4D97-AF65-F5344CB8AC3E}">
+        <p14:creationId xmlns:p14="http://schemas.microsoft.com/office/powerpoint/2010/main" val="2079192367"/>
+      </p:ext>
+    </p:extLst>
+  </p:cSld>
+  <p:clrMapOvr>
+    <a:masterClrMapping/>
+  </p:clrMapOvr>
+</p:sld>
+</file>
+
+<file path=ppt/slides/slide21.xml><?xml version="1.0" encoding="utf-8"?>
 <p:sld xmlns:a="http://schemas.openxmlformats.org/drawingml/2006/main" xmlns:r="http://schemas.openxmlformats.org/officeDocument/2006/relationships" xmlns:p="http://schemas.openxmlformats.org/presentationml/2006/main">
   <p:cSld>
     <p:spTree>
@@ -3771,7 +3844,7 @@
 </p:sld>
 </file>
 
-<file path=ppt/slides/slide21.xml><?xml version="1.0" encoding="utf-8"?>
+<file path=ppt/slides/slide22.xml><?xml version="1.0" encoding="utf-8"?>
 <p:sld xmlns:a="http://schemas.openxmlformats.org/drawingml/2006/main" xmlns:r="http://schemas.openxmlformats.org/officeDocument/2006/relationships" xmlns:p="http://schemas.openxmlformats.org/presentationml/2006/main">
   <p:cSld>
     <p:spTree>
@@ -3915,6 +3988,133 @@
           <p:cNvPr id="2" name="Title 1">
             <a:extLst>
               <a:ext uri="{FF2B5EF4-FFF2-40B4-BE49-F238E27FC236}">
+                <a16:creationId xmlns:a16="http://schemas.microsoft.com/office/drawing/2014/main" id="{2911A32B-BF03-470F-AA6F-D4B03CD5759A}"/>
+              </a:ext>
+            </a:extLst>
+          </p:cNvPr>
+          <p:cNvSpPr>
+            <a:spLocks noGrp="1"/>
+          </p:cNvSpPr>
+          <p:nvPr>
+            <p:ph type="title"/>
+          </p:nvPr>
+        </p:nvSpPr>
+        <p:spPr/>
+        <p:txBody>
+          <a:bodyPr/>
+          <a:lstStyle/>
+          <a:p>
+            <a:r>
+              <a:rPr lang="en-US" dirty="0"/>
+              <a:t>Breweries in Each State</a:t>
+            </a:r>
+          </a:p>
+        </p:txBody>
+      </p:sp>
+      <p:sp>
+        <p:nvSpPr>
+          <p:cNvPr id="3" name="Content Placeholder 2">
+            <a:extLst>
+              <a:ext uri="{FF2B5EF4-FFF2-40B4-BE49-F238E27FC236}">
+                <a16:creationId xmlns:a16="http://schemas.microsoft.com/office/drawing/2014/main" id="{00FA8492-C9A1-4A02-8697-1BFB3A1092CC}"/>
+              </a:ext>
+            </a:extLst>
+          </p:cNvPr>
+          <p:cNvSpPr>
+            <a:spLocks noGrp="1"/>
+          </p:cNvSpPr>
+          <p:nvPr>
+            <p:ph idx="1"/>
+          </p:nvPr>
+        </p:nvSpPr>
+        <p:spPr>
+          <a:xfrm>
+            <a:off x="457199" y="1600200"/>
+            <a:ext cx="8229599" cy="4525963"/>
+          </a:xfrm>
+        </p:spPr>
+        <p:txBody>
+          <a:bodyPr/>
+          <a:lstStyle/>
+          <a:p>
+            <a:r>
+              <a:rPr lang="en-US" dirty="0"/>
+              <a:t>Top states for breweries are: CO, CA, MI, and OR</a:t>
+            </a:r>
+          </a:p>
+          <a:p>
+            <a:r>
+              <a:rPr lang="en-US" dirty="0"/>
+              <a:t>States with the least breweries are: DC, ND, SD, WV</a:t>
+            </a:r>
+          </a:p>
+        </p:txBody>
+      </p:sp>
+      <p:pic>
+        <p:nvPicPr>
+          <p:cNvPr id="4" name="Picture 3">
+            <a:extLst>
+              <a:ext uri="{FF2B5EF4-FFF2-40B4-BE49-F238E27FC236}">
+                <a16:creationId xmlns:a16="http://schemas.microsoft.com/office/drawing/2014/main" id="{2C752BD3-870D-4AEC-8F60-B8932C98C3EC}"/>
+              </a:ext>
+            </a:extLst>
+          </p:cNvPr>
+          <p:cNvPicPr>
+            <a:picLocks noChangeAspect="1"/>
+          </p:cNvPicPr>
+          <p:nvPr/>
+        </p:nvPicPr>
+        <p:blipFill>
+          <a:blip r:embed="rId2"/>
+          <a:stretch>
+            <a:fillRect/>
+          </a:stretch>
+        </p:blipFill>
+        <p:spPr>
+          <a:xfrm>
+            <a:off x="1304737" y="4670342"/>
+            <a:ext cx="6534521" cy="1455821"/>
+          </a:xfrm>
+          <a:prstGeom prst="rect">
+            <a:avLst/>
+          </a:prstGeom>
+        </p:spPr>
+      </p:pic>
+    </p:spTree>
+    <p:extLst>
+      <p:ext uri="{BB962C8B-B14F-4D97-AF65-F5344CB8AC3E}">
+        <p14:creationId xmlns:p14="http://schemas.microsoft.com/office/powerpoint/2010/main" val="635088177"/>
+      </p:ext>
+    </p:extLst>
+  </p:cSld>
+  <p:clrMapOvr>
+    <a:masterClrMapping/>
+  </p:clrMapOvr>
+</p:sld>
+</file>
+
+<file path=ppt/slides/slide4.xml><?xml version="1.0" encoding="utf-8"?>
+<p:sld xmlns:a="http://schemas.openxmlformats.org/drawingml/2006/main" xmlns:r="http://schemas.openxmlformats.org/officeDocument/2006/relationships" xmlns:p="http://schemas.openxmlformats.org/presentationml/2006/main">
+  <p:cSld>
+    <p:spTree>
+      <p:nvGrpSpPr>
+        <p:cNvPr id="1" name=""/>
+        <p:cNvGrpSpPr/>
+        <p:nvPr/>
+      </p:nvGrpSpPr>
+      <p:grpSpPr>
+        <a:xfrm>
+          <a:off x="0" y="0"/>
+          <a:ext cx="0" cy="0"/>
+          <a:chOff x="0" y="0"/>
+          <a:chExt cx="0" cy="0"/>
+        </a:xfrm>
+      </p:grpSpPr>
+      <p:sp>
+        <p:nvSpPr>
+          <p:cNvPr id="2" name="Title 1">
+            <a:extLst>
+              <a:ext uri="{FF2B5EF4-FFF2-40B4-BE49-F238E27FC236}">
                 <a16:creationId xmlns:a16="http://schemas.microsoft.com/office/drawing/2014/main" id="{1DDE72E9-338A-4F78-8DDB-92A7C33A15E8}"/>
               </a:ext>
             </a:extLst>
@@ -4003,7 +4203,7 @@
 </p:sld>
 </file>
 
-<file path=ppt/slides/slide4.xml><?xml version="1.0" encoding="utf-8"?>
+<file path=ppt/slides/slide5.xml><?xml version="1.0" encoding="utf-8"?>
 <p:sld xmlns:a="http://schemas.openxmlformats.org/drawingml/2006/main" xmlns:r="http://schemas.openxmlformats.org/officeDocument/2006/relationships" xmlns:p="http://schemas.openxmlformats.org/presentationml/2006/main">
   <p:cSld>
     <p:spTree>
@@ -4095,7 +4295,7 @@
 </p:sld>
 </file>
 
-<file path=ppt/slides/slide5.xml><?xml version="1.0" encoding="utf-8"?>
+<file path=ppt/slides/slide6.xml><?xml version="1.0" encoding="utf-8"?>
 <p:sld xmlns:a="http://schemas.openxmlformats.org/drawingml/2006/main" xmlns:r="http://schemas.openxmlformats.org/officeDocument/2006/relationships" xmlns:p="http://schemas.openxmlformats.org/presentationml/2006/main">
   <p:cSld>
     <p:spTree>
@@ -4208,7 +4408,7 @@
 </p:sld>
 </file>
 
-<file path=ppt/slides/slide6.xml><?xml version="1.0" encoding="utf-8"?>
+<file path=ppt/slides/slide7.xml><?xml version="1.0" encoding="utf-8"?>
 <p:sld xmlns:a="http://schemas.openxmlformats.org/drawingml/2006/main" xmlns:r="http://schemas.openxmlformats.org/officeDocument/2006/relationships" xmlns:p="http://schemas.openxmlformats.org/presentationml/2006/main">
   <p:cSld>
     <p:spTree>
@@ -4321,98 +4521,6 @@
 </p:sld>
 </file>
 
-<file path=ppt/slides/slide7.xml><?xml version="1.0" encoding="utf-8"?>
-<p:sld xmlns:a="http://schemas.openxmlformats.org/drawingml/2006/main" xmlns:r="http://schemas.openxmlformats.org/officeDocument/2006/relationships" xmlns:p="http://schemas.openxmlformats.org/presentationml/2006/main">
-  <p:cSld>
-    <p:spTree>
-      <p:nvGrpSpPr>
-        <p:cNvPr id="1" name=""/>
-        <p:cNvGrpSpPr/>
-        <p:nvPr/>
-      </p:nvGrpSpPr>
-      <p:grpSpPr>
-        <a:xfrm>
-          <a:off x="0" y="0"/>
-          <a:ext cx="0" cy="0"/>
-          <a:chOff x="0" y="0"/>
-          <a:chExt cx="0" cy="0"/>
-        </a:xfrm>
-      </p:grpSpPr>
-      <p:sp>
-        <p:nvSpPr>
-          <p:cNvPr id="2" name="Title 1">
-            <a:extLst>
-              <a:ext uri="{FF2B5EF4-FFF2-40B4-BE49-F238E27FC236}">
-                <a16:creationId xmlns:a16="http://schemas.microsoft.com/office/drawing/2014/main" id="{AF0C442B-82E5-4DA9-BFB2-A182A1FD7EB6}"/>
-              </a:ext>
-            </a:extLst>
-          </p:cNvPr>
-          <p:cNvSpPr>
-            <a:spLocks noGrp="1"/>
-          </p:cNvSpPr>
-          <p:nvPr>
-            <p:ph type="title"/>
-          </p:nvPr>
-        </p:nvSpPr>
-        <p:spPr/>
-        <p:txBody>
-          <a:bodyPr/>
-          <a:lstStyle/>
-          <a:p>
-            <a:r>
-              <a:rPr lang="en-US" dirty="0"/>
-              <a:t>Highest ABV and IBU</a:t>
-            </a:r>
-          </a:p>
-        </p:txBody>
-      </p:sp>
-      <p:sp>
-        <p:nvSpPr>
-          <p:cNvPr id="3" name="Content Placeholder 2">
-            <a:extLst>
-              <a:ext uri="{FF2B5EF4-FFF2-40B4-BE49-F238E27FC236}">
-                <a16:creationId xmlns:a16="http://schemas.microsoft.com/office/drawing/2014/main" id="{46202EC3-B773-47A8-8789-24EEBE9EDC6E}"/>
-              </a:ext>
-            </a:extLst>
-          </p:cNvPr>
-          <p:cNvSpPr>
-            <a:spLocks noGrp="1"/>
-          </p:cNvSpPr>
-          <p:nvPr>
-            <p:ph idx="1"/>
-          </p:nvPr>
-        </p:nvSpPr>
-        <p:spPr/>
-        <p:txBody>
-          <a:bodyPr/>
-          <a:lstStyle/>
-          <a:p>
-            <a:r>
-              <a:rPr lang="en-US" dirty="0"/>
-              <a:t>Colorado has the beer with the highest ABV at 0.128</a:t>
-            </a:r>
-          </a:p>
-          <a:p>
-            <a:r>
-              <a:rPr lang="en-US" dirty="0"/>
-              <a:t>Oregon has the most bitter beer with an IBU of 138</a:t>
-            </a:r>
-          </a:p>
-        </p:txBody>
-      </p:sp>
-    </p:spTree>
-    <p:extLst>
-      <p:ext uri="{BB962C8B-B14F-4D97-AF65-F5344CB8AC3E}">
-        <p14:creationId xmlns:p14="http://schemas.microsoft.com/office/powerpoint/2010/main" val="3846641761"/>
-      </p:ext>
-    </p:extLst>
-  </p:cSld>
-  <p:clrMapOvr>
-    <a:masterClrMapping/>
-  </p:clrMapOvr>
-</p:sld>
-</file>
-
 <file path=ppt/slides/slide8.xml><?xml version="1.0" encoding="utf-8"?>
 <p:sld xmlns:a="http://schemas.openxmlformats.org/drawingml/2006/main" xmlns:r="http://schemas.openxmlformats.org/officeDocument/2006/relationships" xmlns:p="http://schemas.openxmlformats.org/presentationml/2006/main">
   <p:cSld>
@@ -4435,7 +4543,7 @@
           <p:cNvPr id="2" name="Title 1">
             <a:extLst>
               <a:ext uri="{FF2B5EF4-FFF2-40B4-BE49-F238E27FC236}">
-                <a16:creationId xmlns:a16="http://schemas.microsoft.com/office/drawing/2014/main" id="{3E1A9014-6D0B-43FA-8BA3-BFAAF7C8E5D8}"/>
+                <a16:creationId xmlns:a16="http://schemas.microsoft.com/office/drawing/2014/main" id="{AF0C442B-82E5-4DA9-BFB2-A182A1FD7EB6}"/>
               </a:ext>
             </a:extLst>
           </p:cNvPr>
@@ -4453,7 +4561,7 @@
           <a:p>
             <a:r>
               <a:rPr lang="en-US" dirty="0"/>
-              <a:t>ABV Descriptive Statistics</a:t>
+              <a:t>Highest ABV and IBU</a:t>
             </a:r>
           </a:p>
         </p:txBody>
@@ -4463,7 +4571,7 @@
           <p:cNvPr id="3" name="Content Placeholder 2">
             <a:extLst>
               <a:ext uri="{FF2B5EF4-FFF2-40B4-BE49-F238E27FC236}">
-                <a16:creationId xmlns:a16="http://schemas.microsoft.com/office/drawing/2014/main" id="{32CD007A-5F42-4300-98EA-FB779AADC65B}"/>
+                <a16:creationId xmlns:a16="http://schemas.microsoft.com/office/drawing/2014/main" id="{46202EC3-B773-47A8-8789-24EEBE9EDC6E}"/>
               </a:ext>
             </a:extLst>
           </p:cNvPr>
@@ -4480,53 +4588,14 @@
           <a:lstStyle/>
           <a:p>
             <a:r>
-              <a:rPr lang="en-US" sz="2800" dirty="0"/>
-              <a:t>Mean = 0.05987305</a:t>
-            </a:r>
-          </a:p>
-          <a:p>
-            <a:r>
-              <a:rPr lang="en-US" sz="2800" dirty="0"/>
-              <a:t>Median = 0.056</a:t>
-            </a:r>
-          </a:p>
-          <a:p>
-            <a:r>
-              <a:rPr lang="en-US" sz="2800" dirty="0"/>
-              <a:t>Standard Deviation = 0.01352549</a:t>
-            </a:r>
-          </a:p>
-          <a:p>
-            <a:r>
-              <a:rPr lang="en-US" sz="2800" dirty="0"/>
-              <a:t>Variance = 0.0001829388</a:t>
-            </a:r>
-          </a:p>
-          <a:p>
-            <a:r>
-              <a:rPr lang="en-US" sz="2800" dirty="0"/>
-              <a:t>Quartile Ranges:</a:t>
-            </a:r>
-          </a:p>
-          <a:p>
-            <a:r>
-              <a:rPr lang="en-US" sz="2800" dirty="0"/>
-              <a:t>Min.      1st Qu.     3rd Qu.      Max.</a:t>
-            </a:r>
-          </a:p>
-          <a:p>
-            <a:pPr marL="0" indent="0">
-              <a:buNone/>
-            </a:pPr>
-            <a:r>
-              <a:rPr lang="en-US" sz="2800" dirty="0"/>
-              <a:t>0.00100   0.05000   0.06800     0.12800 </a:t>
-            </a:r>
-          </a:p>
-          <a:p>
-            <a:r>
-              <a:rPr lang="en-US" sz="2800" dirty="0"/>
-              <a:t>95% of beers will fall between 0.03282208 and 0.08692402 ABV</a:t>
+              <a:rPr lang="en-US" dirty="0"/>
+              <a:t>Colorado has the beer with the highest ABV at 0.128</a:t>
+            </a:r>
+          </a:p>
+          <a:p>
+            <a:r>
+              <a:rPr lang="en-US" dirty="0"/>
+              <a:t>Oregon has the most bitter beer with an IBU of 138</a:t>
             </a:r>
           </a:p>
         </p:txBody>
@@ -4534,7 +4603,7 @@
     </p:spTree>
     <p:extLst>
       <p:ext uri="{BB962C8B-B14F-4D97-AF65-F5344CB8AC3E}">
-        <p14:creationId xmlns:p14="http://schemas.microsoft.com/office/powerpoint/2010/main" val="261447012"/>
+        <p14:creationId xmlns:p14="http://schemas.microsoft.com/office/powerpoint/2010/main" val="3846641761"/>
       </p:ext>
     </p:extLst>
   </p:cSld>
@@ -4566,7 +4635,7 @@
           <p:cNvPr id="2" name="Title 1">
             <a:extLst>
               <a:ext uri="{FF2B5EF4-FFF2-40B4-BE49-F238E27FC236}">
-                <a16:creationId xmlns:a16="http://schemas.microsoft.com/office/drawing/2014/main" id="{600C4FD4-8369-49E8-90AC-11ABB585CDB0}"/>
+                <a16:creationId xmlns:a16="http://schemas.microsoft.com/office/drawing/2014/main" id="{3E1A9014-6D0B-43FA-8BA3-BFAAF7C8E5D8}"/>
               </a:ext>
             </a:extLst>
           </p:cNvPr>
@@ -4584,7 +4653,7 @@
           <a:p>
             <a:r>
               <a:rPr lang="en-US" dirty="0"/>
-              <a:t>ABV Distribution</a:t>
+              <a:t>ABV Descriptive Statistics</a:t>
             </a:r>
           </a:p>
         </p:txBody>
@@ -4594,7 +4663,7 @@
           <p:cNvPr id="3" name="Content Placeholder 2">
             <a:extLst>
               <a:ext uri="{FF2B5EF4-FFF2-40B4-BE49-F238E27FC236}">
-                <a16:creationId xmlns:a16="http://schemas.microsoft.com/office/drawing/2014/main" id="{7F18EBBA-B4C5-4D77-A567-08DD7F8699BC}"/>
+                <a16:creationId xmlns:a16="http://schemas.microsoft.com/office/drawing/2014/main" id="{32CD007A-5F42-4300-98EA-FB779AADC65B}"/>
               </a:ext>
             </a:extLst>
           </p:cNvPr>
@@ -4610,44 +4679,62 @@
           <a:bodyPr/>
           <a:lstStyle/>
           <a:p>
-            <a:endParaRPr lang="en-US"/>
-          </a:p>
-        </p:txBody>
-      </p:sp>
-      <p:pic>
-        <p:nvPicPr>
-          <p:cNvPr id="4" name="Picture 3">
-            <a:extLst>
-              <a:ext uri="{FF2B5EF4-FFF2-40B4-BE49-F238E27FC236}">
-                <a16:creationId xmlns:a16="http://schemas.microsoft.com/office/drawing/2014/main" id="{03BF1ADD-8E0A-41E7-90D0-BC9E9DA78E7F}"/>
-              </a:ext>
-            </a:extLst>
-          </p:cNvPr>
-          <p:cNvPicPr>
-            <a:picLocks noChangeAspect="1"/>
-          </p:cNvPicPr>
-          <p:nvPr/>
-        </p:nvPicPr>
-        <p:blipFill>
-          <a:blip r:embed="rId2"/>
-          <a:stretch>
-            <a:fillRect/>
-          </a:stretch>
-        </p:blipFill>
-        <p:spPr>
-          <a:xfrm>
-            <a:off x="281348" y="1371600"/>
-            <a:ext cx="8581304" cy="5302523"/>
-          </a:xfrm>
-          <a:prstGeom prst="rect">
-            <a:avLst/>
-          </a:prstGeom>
-        </p:spPr>
-      </p:pic>
+            <a:r>
+              <a:rPr lang="en-US" sz="2800" dirty="0"/>
+              <a:t>Mean = 0.05987305</a:t>
+            </a:r>
+          </a:p>
+          <a:p>
+            <a:r>
+              <a:rPr lang="en-US" sz="2800" dirty="0"/>
+              <a:t>Median = 0.056</a:t>
+            </a:r>
+          </a:p>
+          <a:p>
+            <a:r>
+              <a:rPr lang="en-US" sz="2800" dirty="0"/>
+              <a:t>Standard Deviation = 0.01352549</a:t>
+            </a:r>
+          </a:p>
+          <a:p>
+            <a:r>
+              <a:rPr lang="en-US" sz="2800" dirty="0"/>
+              <a:t>Variance = 0.0001829388</a:t>
+            </a:r>
+          </a:p>
+          <a:p>
+            <a:r>
+              <a:rPr lang="en-US" sz="2800" dirty="0"/>
+              <a:t>Quartile Ranges:</a:t>
+            </a:r>
+          </a:p>
+          <a:p>
+            <a:r>
+              <a:rPr lang="en-US" sz="2800" dirty="0"/>
+              <a:t>Min.      1st Qu.     3rd Qu.      Max.</a:t>
+            </a:r>
+          </a:p>
+          <a:p>
+            <a:pPr marL="0" indent="0">
+              <a:buNone/>
+            </a:pPr>
+            <a:r>
+              <a:rPr lang="en-US" sz="2800" dirty="0"/>
+              <a:t>0.00100   0.05000   0.06800     0.12800 </a:t>
+            </a:r>
+          </a:p>
+          <a:p>
+            <a:r>
+              <a:rPr lang="en-US" sz="2800" dirty="0"/>
+              <a:t>95% of beers will fall between 0.03282208 and 0.08692402 ABV</a:t>
+            </a:r>
+          </a:p>
+        </p:txBody>
+      </p:sp>
     </p:spTree>
     <p:extLst>
       <p:ext uri="{BB962C8B-B14F-4D97-AF65-F5344CB8AC3E}">
-        <p14:creationId xmlns:p14="http://schemas.microsoft.com/office/powerpoint/2010/main" val="348498641"/>
+        <p14:creationId xmlns:p14="http://schemas.microsoft.com/office/powerpoint/2010/main" val="261447012"/>
       </p:ext>
     </p:extLst>
   </p:cSld>

--- a/Case Study 1.pptx
+++ b/Case Study 1.pptx
@@ -24,9 +24,10 @@
     <p:sldId id="270" r:id="rId18"/>
     <p:sldId id="272" r:id="rId19"/>
     <p:sldId id="273" r:id="rId20"/>
-    <p:sldId id="274" r:id="rId21"/>
-    <p:sldId id="275" r:id="rId22"/>
-    <p:sldId id="276" r:id="rId23"/>
+    <p:sldId id="275" r:id="rId21"/>
+    <p:sldId id="276" r:id="rId22"/>
+    <p:sldId id="278" r:id="rId23"/>
+    <p:sldId id="274" r:id="rId24"/>
   </p:sldIdLst>
   <p:sldSz cx="9144000" cy="6858000" type="screen4x3"/>
   <p:notesSz cx="6858000" cy="9144000"/>
@@ -2983,17 +2984,17 @@
           <a:p>
             <a:r>
               <a:rPr lang="en-US" dirty="0"/>
-              <a:t>Optimal number of comparison points: 19</a:t>
+              <a:t>Optimal number of comparison points: 9</a:t>
             </a:r>
           </a:p>
         </p:txBody>
       </p:sp>
       <p:pic>
         <p:nvPicPr>
-          <p:cNvPr id="4" name="Picture 3">
-            <a:extLst>
-              <a:ext uri="{FF2B5EF4-FFF2-40B4-BE49-F238E27FC236}">
-                <a16:creationId xmlns:a16="http://schemas.microsoft.com/office/drawing/2014/main" id="{2FF26696-2C39-43B8-B47E-C6274EFC8D50}"/>
+          <p:cNvPr id="5" name="Picture 4">
+            <a:extLst>
+              <a:ext uri="{FF2B5EF4-FFF2-40B4-BE49-F238E27FC236}">
+                <a16:creationId xmlns:a16="http://schemas.microsoft.com/office/drawing/2014/main" id="{D7B2F39A-8D0F-4BC2-A869-E128179DF7D5}"/>
               </a:ext>
             </a:extLst>
           </p:cNvPr>
@@ -3010,8 +3011,8 @@
         </p:blipFill>
         <p:spPr>
           <a:xfrm>
-            <a:off x="228600" y="2213348"/>
-            <a:ext cx="7324561" cy="4525963"/>
+            <a:off x="941801" y="2225372"/>
+            <a:ext cx="7260398" cy="4525963"/>
           </a:xfrm>
           <a:prstGeom prst="rect">
             <a:avLst/>
@@ -3221,17 +3222,17 @@
           <a:p>
             <a:r>
               <a:rPr lang="en-US" dirty="0"/>
-              <a:t>Optimal number of comparison points: 9</a:t>
+              <a:t>Optimal number of comparison points: 5</a:t>
             </a:r>
           </a:p>
         </p:txBody>
       </p:sp>
       <p:pic>
         <p:nvPicPr>
-          <p:cNvPr id="4" name="Picture 3">
-            <a:extLst>
-              <a:ext uri="{FF2B5EF4-FFF2-40B4-BE49-F238E27FC236}">
-                <a16:creationId xmlns:a16="http://schemas.microsoft.com/office/drawing/2014/main" id="{C155CAC8-D7E5-46C1-A5A9-CE2775CEDAFD}"/>
+          <p:cNvPr id="5" name="Picture 4">
+            <a:extLst>
+              <a:ext uri="{FF2B5EF4-FFF2-40B4-BE49-F238E27FC236}">
+                <a16:creationId xmlns:a16="http://schemas.microsoft.com/office/drawing/2014/main" id="{C1BB37A5-73C0-4A2B-B96F-CEDE129443DE}"/>
               </a:ext>
             </a:extLst>
           </p:cNvPr>
@@ -3248,8 +3249,8 @@
         </p:blipFill>
         <p:spPr>
           <a:xfrm>
-            <a:off x="1009955" y="2323285"/>
-            <a:ext cx="7124089" cy="4402088"/>
+            <a:off x="932447" y="2206464"/>
+            <a:ext cx="7279105" cy="4530271"/>
           </a:xfrm>
           <a:prstGeom prst="rect">
             <a:avLst/>
@@ -3286,12 +3287,74 @@
           <a:chExt cx="0" cy="0"/>
         </a:xfrm>
       </p:grpSpPr>
+      <p:sp>
+        <p:nvSpPr>
+          <p:cNvPr id="2" name="Title 1">
+            <a:extLst>
+              <a:ext uri="{FF2B5EF4-FFF2-40B4-BE49-F238E27FC236}">
+                <a16:creationId xmlns:a16="http://schemas.microsoft.com/office/drawing/2014/main" id="{6757C90D-4645-40BB-9875-D2D40D5910A0}"/>
+              </a:ext>
+            </a:extLst>
+          </p:cNvPr>
+          <p:cNvSpPr>
+            <a:spLocks noGrp="1"/>
+          </p:cNvSpPr>
+          <p:nvPr>
+            <p:ph type="title"/>
+          </p:nvPr>
+        </p:nvSpPr>
+        <p:spPr/>
+        <p:txBody>
+          <a:bodyPr/>
+          <a:lstStyle/>
+          <a:p>
+            <a:r>
+              <a:rPr lang="en-US" dirty="0"/>
+              <a:t>Leave One Out: Results</a:t>
+            </a:r>
+          </a:p>
+        </p:txBody>
+      </p:sp>
+      <p:sp>
+        <p:nvSpPr>
+          <p:cNvPr id="3" name="Content Placeholder 2">
+            <a:extLst>
+              <a:ext uri="{FF2B5EF4-FFF2-40B4-BE49-F238E27FC236}">
+                <a16:creationId xmlns:a16="http://schemas.microsoft.com/office/drawing/2014/main" id="{4EFBB32D-C3A5-4A07-BF5C-12782557F73A}"/>
+              </a:ext>
+            </a:extLst>
+          </p:cNvPr>
+          <p:cNvSpPr>
+            <a:spLocks noGrp="1"/>
+          </p:cNvSpPr>
+          <p:nvPr>
+            <p:ph idx="1"/>
+          </p:nvPr>
+        </p:nvSpPr>
+        <p:spPr/>
+        <p:txBody>
+          <a:bodyPr/>
+          <a:lstStyle/>
+          <a:p>
+            <a:r>
+              <a:rPr lang="en-US" dirty="0"/>
+              <a:t>The computer was able to determine whether a beer was an IPA or an Ale based on IBU and ABV 86.47% of the time</a:t>
+            </a:r>
+          </a:p>
+          <a:p>
+            <a:r>
+              <a:rPr lang="en-US" dirty="0"/>
+              <a:t>Results were statistically significant</a:t>
+            </a:r>
+          </a:p>
+        </p:txBody>
+      </p:sp>
       <p:pic>
         <p:nvPicPr>
-          <p:cNvPr id="5" name="Picture 4">
-            <a:extLst>
-              <a:ext uri="{FF2B5EF4-FFF2-40B4-BE49-F238E27FC236}">
-                <a16:creationId xmlns:a16="http://schemas.microsoft.com/office/drawing/2014/main" id="{8B8DB275-72AD-43F9-AD5C-2874D2A8367C}"/>
+          <p:cNvPr id="4" name="Picture 3">
+            <a:extLst>
+              <a:ext uri="{FF2B5EF4-FFF2-40B4-BE49-F238E27FC236}">
+                <a16:creationId xmlns:a16="http://schemas.microsoft.com/office/drawing/2014/main" id="{D3BA2908-127B-48AA-93FD-C76C45EEA7B3}"/>
               </a:ext>
             </a:extLst>
           </p:cNvPr>
@@ -3308,76 +3371,14 @@
         </p:blipFill>
         <p:spPr>
           <a:xfrm>
-            <a:off x="4336912" y="4680284"/>
-            <a:ext cx="4807088" cy="1949116"/>
+            <a:off x="4595193" y="4511843"/>
+            <a:ext cx="4524744" cy="2232734"/>
           </a:xfrm>
           <a:prstGeom prst="rect">
             <a:avLst/>
           </a:prstGeom>
         </p:spPr>
       </p:pic>
-      <p:sp>
-        <p:nvSpPr>
-          <p:cNvPr id="2" name="Title 1">
-            <a:extLst>
-              <a:ext uri="{FF2B5EF4-FFF2-40B4-BE49-F238E27FC236}">
-                <a16:creationId xmlns:a16="http://schemas.microsoft.com/office/drawing/2014/main" id="{6757C90D-4645-40BB-9875-D2D40D5910A0}"/>
-              </a:ext>
-            </a:extLst>
-          </p:cNvPr>
-          <p:cNvSpPr>
-            <a:spLocks noGrp="1"/>
-          </p:cNvSpPr>
-          <p:nvPr>
-            <p:ph type="title"/>
-          </p:nvPr>
-        </p:nvSpPr>
-        <p:spPr/>
-        <p:txBody>
-          <a:bodyPr/>
-          <a:lstStyle/>
-          <a:p>
-            <a:r>
-              <a:rPr lang="en-US" dirty="0"/>
-              <a:t>Leave One Out: Results</a:t>
-            </a:r>
-          </a:p>
-        </p:txBody>
-      </p:sp>
-      <p:sp>
-        <p:nvSpPr>
-          <p:cNvPr id="3" name="Content Placeholder 2">
-            <a:extLst>
-              <a:ext uri="{FF2B5EF4-FFF2-40B4-BE49-F238E27FC236}">
-                <a16:creationId xmlns:a16="http://schemas.microsoft.com/office/drawing/2014/main" id="{4EFBB32D-C3A5-4A07-BF5C-12782557F73A}"/>
-              </a:ext>
-            </a:extLst>
-          </p:cNvPr>
-          <p:cNvSpPr>
-            <a:spLocks noGrp="1"/>
-          </p:cNvSpPr>
-          <p:nvPr>
-            <p:ph idx="1"/>
-          </p:nvPr>
-        </p:nvSpPr>
-        <p:spPr/>
-        <p:txBody>
-          <a:bodyPr/>
-          <a:lstStyle/>
-          <a:p>
-            <a:r>
-              <a:rPr lang="en-US" dirty="0"/>
-              <a:t>The computer was able to determine whether a beer was an IPA or an Ale based on IBU and ABV 86.44% of the time</a:t>
-            </a:r>
-          </a:p>
-          <a:p>
-            <a:r>
-              <a:rPr lang="en-US" dirty="0"/>
-              <a:t>Results were statistically significant</a:t>
-            </a:r>
-          </a:p>
-        </p:txBody>
-      </p:sp>
     </p:spTree>
     <p:extLst>
       <p:ext uri="{BB962C8B-B14F-4D97-AF65-F5344CB8AC3E}">
@@ -3612,7 +3613,7 @@
           <p:cNvPr id="2" name="Title 1">
             <a:extLst>
               <a:ext uri="{FF2B5EF4-FFF2-40B4-BE49-F238E27FC236}">
-                <a16:creationId xmlns:a16="http://schemas.microsoft.com/office/drawing/2014/main" id="{B2582DB4-ED58-4951-8BC1-E5285A4655E8}"/>
+                <a16:creationId xmlns:a16="http://schemas.microsoft.com/office/drawing/2014/main" id="{4CF5D74F-BECC-4EBF-A00F-3BF43A98CAA4}"/>
               </a:ext>
             </a:extLst>
           </p:cNvPr>
@@ -3630,7 +3631,7 @@
           <a:p>
             <a:r>
               <a:rPr lang="en-US" dirty="0"/>
-              <a:t>Most Common Words in Names</a:t>
+              <a:t>ABV Differences by State</a:t>
             </a:r>
           </a:p>
         </p:txBody>
@@ -3640,7 +3641,7 @@
           <p:cNvPr id="3" name="Content Placeholder 2">
             <a:extLst>
               <a:ext uri="{FF2B5EF4-FFF2-40B4-BE49-F238E27FC236}">
-                <a16:creationId xmlns:a16="http://schemas.microsoft.com/office/drawing/2014/main" id="{2509D998-1D69-43D4-9CE5-989FCBC09DA3}"/>
+                <a16:creationId xmlns:a16="http://schemas.microsoft.com/office/drawing/2014/main" id="{55F2467B-D1A7-435F-8CB8-9819AE37F778}"/>
               </a:ext>
             </a:extLst>
           </p:cNvPr>
@@ -3658,139 +3659,7 @@
           <a:p>
             <a:r>
               <a:rPr lang="en-US" dirty="0"/>
-              <a:t>The most common naming convention for beers is to name it by the type of beer</a:t>
-            </a:r>
-          </a:p>
-          <a:p>
-            <a:pPr lvl="1"/>
-            <a:r>
-              <a:rPr lang="en-US" dirty="0"/>
-              <a:t>“Ale” is top choice</a:t>
-            </a:r>
-          </a:p>
-          <a:p>
-            <a:r>
-              <a:rPr lang="en-US" dirty="0"/>
-              <a:t>“of”</a:t>
-            </a:r>
-          </a:p>
-          <a:p>
-            <a:pPr lvl="1"/>
-            <a:r>
-              <a:rPr lang="en-US" dirty="0"/>
-              <a:t>complex name, may not be attributed to type</a:t>
-            </a:r>
-          </a:p>
-          <a:p>
-            <a:r>
-              <a:rPr lang="en-US" dirty="0"/>
-              <a:t>“Barrel” and “Old”</a:t>
-            </a:r>
-          </a:p>
-          <a:p>
-            <a:pPr lvl="1"/>
-            <a:r>
-              <a:rPr lang="en-US" dirty="0"/>
-              <a:t>Aged beers</a:t>
-            </a:r>
-          </a:p>
-          <a:p>
-            <a:r>
-              <a:rPr lang="en-US" dirty="0"/>
-              <a:t>Years</a:t>
-            </a:r>
-          </a:p>
-          <a:p>
-            <a:pPr lvl="1"/>
-            <a:r>
-              <a:rPr lang="en-US" dirty="0"/>
-              <a:t>Good year for hops or an experimental year</a:t>
-            </a:r>
-          </a:p>
-        </p:txBody>
-      </p:sp>
-    </p:spTree>
-    <p:extLst>
-      <p:ext uri="{BB962C8B-B14F-4D97-AF65-F5344CB8AC3E}">
-        <p14:creationId xmlns:p14="http://schemas.microsoft.com/office/powerpoint/2010/main" val="2079192367"/>
-      </p:ext>
-    </p:extLst>
-  </p:cSld>
-  <p:clrMapOvr>
-    <a:masterClrMapping/>
-  </p:clrMapOvr>
-</p:sld>
-</file>
-
-<file path=ppt/slides/slide21.xml><?xml version="1.0" encoding="utf-8"?>
-<p:sld xmlns:a="http://schemas.openxmlformats.org/drawingml/2006/main" xmlns:r="http://schemas.openxmlformats.org/officeDocument/2006/relationships" xmlns:p="http://schemas.openxmlformats.org/presentationml/2006/main">
-  <p:cSld>
-    <p:spTree>
-      <p:nvGrpSpPr>
-        <p:cNvPr id="1" name=""/>
-        <p:cNvGrpSpPr/>
-        <p:nvPr/>
-      </p:nvGrpSpPr>
-      <p:grpSpPr>
-        <a:xfrm>
-          <a:off x="0" y="0"/>
-          <a:ext cx="0" cy="0"/>
-          <a:chOff x="0" y="0"/>
-          <a:chExt cx="0" cy="0"/>
-        </a:xfrm>
-      </p:grpSpPr>
-      <p:sp>
-        <p:nvSpPr>
-          <p:cNvPr id="2" name="Title 1">
-            <a:extLst>
-              <a:ext uri="{FF2B5EF4-FFF2-40B4-BE49-F238E27FC236}">
-                <a16:creationId xmlns:a16="http://schemas.microsoft.com/office/drawing/2014/main" id="{4CF5D74F-BECC-4EBF-A00F-3BF43A98CAA4}"/>
-              </a:ext>
-            </a:extLst>
-          </p:cNvPr>
-          <p:cNvSpPr>
-            <a:spLocks noGrp="1"/>
-          </p:cNvSpPr>
-          <p:nvPr>
-            <p:ph type="title"/>
-          </p:nvPr>
-        </p:nvSpPr>
-        <p:spPr/>
-        <p:txBody>
-          <a:bodyPr/>
-          <a:lstStyle/>
-          <a:p>
-            <a:r>
-              <a:rPr lang="en-US" dirty="0"/>
-              <a:t>ABV Differences by State</a:t>
-            </a:r>
-          </a:p>
-        </p:txBody>
-      </p:sp>
-      <p:sp>
-        <p:nvSpPr>
-          <p:cNvPr id="3" name="Content Placeholder 2">
-            <a:extLst>
-              <a:ext uri="{FF2B5EF4-FFF2-40B4-BE49-F238E27FC236}">
-                <a16:creationId xmlns:a16="http://schemas.microsoft.com/office/drawing/2014/main" id="{55F2467B-D1A7-435F-8CB8-9819AE37F778}"/>
-              </a:ext>
-            </a:extLst>
-          </p:cNvPr>
-          <p:cNvSpPr>
-            <a:spLocks noGrp="1"/>
-          </p:cNvSpPr>
-          <p:nvPr>
-            <p:ph idx="1"/>
-          </p:nvPr>
-        </p:nvSpPr>
-        <p:spPr/>
-        <p:txBody>
-          <a:bodyPr/>
-          <a:lstStyle/>
-          <a:p>
-            <a:r>
-              <a:rPr lang="en-US" dirty="0"/>
-              <a:t>Colorado has stronger beers than Massachusetts and Wisconsin (statistically significant)</a:t>
+              <a:t>Colorado has stronger beers than Missouri and Wisconsin (statistically significant)</a:t>
             </a:r>
           </a:p>
           <a:p>
@@ -3844,7 +3713,7 @@
 </p:sld>
 </file>
 
-<file path=ppt/slides/slide22.xml><?xml version="1.0" encoding="utf-8"?>
+<file path=ppt/slides/slide21.xml><?xml version="1.0" encoding="utf-8"?>
 <p:sld xmlns:a="http://schemas.openxmlformats.org/drawingml/2006/main" xmlns:r="http://schemas.openxmlformats.org/officeDocument/2006/relationships" xmlns:p="http://schemas.openxmlformats.org/presentationml/2006/main">
   <p:cSld>
     <p:spTree>
@@ -3957,6 +3826,237 @@
     <p:extLst>
       <p:ext uri="{BB962C8B-B14F-4D97-AF65-F5344CB8AC3E}">
         <p14:creationId xmlns:p14="http://schemas.microsoft.com/office/powerpoint/2010/main" val="1926984982"/>
+      </p:ext>
+    </p:extLst>
+  </p:cSld>
+  <p:clrMapOvr>
+    <a:masterClrMapping/>
+  </p:clrMapOvr>
+</p:sld>
+</file>
+
+<file path=ppt/slides/slide22.xml><?xml version="1.0" encoding="utf-8"?>
+<p:sld xmlns:a="http://schemas.openxmlformats.org/drawingml/2006/main" xmlns:r="http://schemas.openxmlformats.org/officeDocument/2006/relationships" xmlns:p="http://schemas.openxmlformats.org/presentationml/2006/main">
+  <p:cSld>
+    <p:spTree>
+      <p:nvGrpSpPr>
+        <p:cNvPr id="1" name=""/>
+        <p:cNvGrpSpPr/>
+        <p:nvPr/>
+      </p:nvGrpSpPr>
+      <p:grpSpPr>
+        <a:xfrm>
+          <a:off x="0" y="0"/>
+          <a:ext cx="0" cy="0"/>
+          <a:chOff x="0" y="0"/>
+          <a:chExt cx="0" cy="0"/>
+        </a:xfrm>
+      </p:grpSpPr>
+      <p:sp>
+        <p:nvSpPr>
+          <p:cNvPr id="2" name="Title 1">
+            <a:extLst>
+              <a:ext uri="{FF2B5EF4-FFF2-40B4-BE49-F238E27FC236}">
+                <a16:creationId xmlns:a16="http://schemas.microsoft.com/office/drawing/2014/main" id="{504DCDD0-2ADE-4DE9-8892-C407284E2766}"/>
+              </a:ext>
+            </a:extLst>
+          </p:cNvPr>
+          <p:cNvSpPr>
+            <a:spLocks noGrp="1"/>
+          </p:cNvSpPr>
+          <p:nvPr>
+            <p:ph type="ctrTitle"/>
+          </p:nvPr>
+        </p:nvSpPr>
+        <p:spPr/>
+        <p:txBody>
+          <a:bodyPr/>
+          <a:lstStyle/>
+          <a:p>
+            <a:r>
+              <a:rPr lang="en-US" dirty="0"/>
+              <a:t>Case Study 1</a:t>
+            </a:r>
+          </a:p>
+        </p:txBody>
+      </p:sp>
+      <p:sp>
+        <p:nvSpPr>
+          <p:cNvPr id="3" name="Subtitle 2">
+            <a:extLst>
+              <a:ext uri="{FF2B5EF4-FFF2-40B4-BE49-F238E27FC236}">
+                <a16:creationId xmlns:a16="http://schemas.microsoft.com/office/drawing/2014/main" id="{22A92711-497C-4D7B-B793-E32710764D62}"/>
+              </a:ext>
+            </a:extLst>
+          </p:cNvPr>
+          <p:cNvSpPr>
+            <a:spLocks noGrp="1"/>
+          </p:cNvSpPr>
+          <p:nvPr>
+            <p:ph type="subTitle" idx="1"/>
+          </p:nvPr>
+        </p:nvSpPr>
+        <p:spPr/>
+        <p:txBody>
+          <a:bodyPr/>
+          <a:lstStyle/>
+          <a:p>
+            <a:r>
+              <a:rPr lang="en-US" dirty="0"/>
+              <a:t>Beers: ABV, IBU, and Distribution by State</a:t>
+            </a:r>
+          </a:p>
+        </p:txBody>
+      </p:sp>
+    </p:spTree>
+    <p:extLst>
+      <p:ext uri="{BB962C8B-B14F-4D97-AF65-F5344CB8AC3E}">
+        <p14:creationId xmlns:p14="http://schemas.microsoft.com/office/powerpoint/2010/main" val="4010028993"/>
+      </p:ext>
+    </p:extLst>
+  </p:cSld>
+  <p:clrMapOvr>
+    <a:masterClrMapping/>
+  </p:clrMapOvr>
+</p:sld>
+</file>
+
+<file path=ppt/slides/slide23.xml><?xml version="1.0" encoding="utf-8"?>
+<p:sld xmlns:a="http://schemas.openxmlformats.org/drawingml/2006/main" xmlns:r="http://schemas.openxmlformats.org/officeDocument/2006/relationships" xmlns:p="http://schemas.openxmlformats.org/presentationml/2006/main" show="0">
+  <p:cSld>
+    <p:spTree>
+      <p:nvGrpSpPr>
+        <p:cNvPr id="1" name=""/>
+        <p:cNvGrpSpPr/>
+        <p:nvPr/>
+      </p:nvGrpSpPr>
+      <p:grpSpPr>
+        <a:xfrm>
+          <a:off x="0" y="0"/>
+          <a:ext cx="0" cy="0"/>
+          <a:chOff x="0" y="0"/>
+          <a:chExt cx="0" cy="0"/>
+        </a:xfrm>
+      </p:grpSpPr>
+      <p:sp>
+        <p:nvSpPr>
+          <p:cNvPr id="2" name="Title 1">
+            <a:extLst>
+              <a:ext uri="{FF2B5EF4-FFF2-40B4-BE49-F238E27FC236}">
+                <a16:creationId xmlns:a16="http://schemas.microsoft.com/office/drawing/2014/main" id="{B2582DB4-ED58-4951-8BC1-E5285A4655E8}"/>
+              </a:ext>
+            </a:extLst>
+          </p:cNvPr>
+          <p:cNvSpPr>
+            <a:spLocks noGrp="1"/>
+          </p:cNvSpPr>
+          <p:nvPr>
+            <p:ph type="title"/>
+          </p:nvPr>
+        </p:nvSpPr>
+        <p:spPr/>
+        <p:txBody>
+          <a:bodyPr/>
+          <a:lstStyle/>
+          <a:p>
+            <a:r>
+              <a:rPr lang="en-US" dirty="0"/>
+              <a:t>Most Common Words in Names</a:t>
+            </a:r>
+          </a:p>
+        </p:txBody>
+      </p:sp>
+      <p:sp>
+        <p:nvSpPr>
+          <p:cNvPr id="3" name="Content Placeholder 2">
+            <a:extLst>
+              <a:ext uri="{FF2B5EF4-FFF2-40B4-BE49-F238E27FC236}">
+                <a16:creationId xmlns:a16="http://schemas.microsoft.com/office/drawing/2014/main" id="{2509D998-1D69-43D4-9CE5-989FCBC09DA3}"/>
+              </a:ext>
+            </a:extLst>
+          </p:cNvPr>
+          <p:cNvSpPr>
+            <a:spLocks noGrp="1"/>
+          </p:cNvSpPr>
+          <p:nvPr>
+            <p:ph idx="1"/>
+          </p:nvPr>
+        </p:nvSpPr>
+        <p:spPr/>
+        <p:txBody>
+          <a:bodyPr/>
+          <a:lstStyle/>
+          <a:p>
+            <a:r>
+              <a:rPr lang="en-US" sz="2800" dirty="0"/>
+              <a:t>The most common naming convention for beers is to name it by the type of beer</a:t>
+            </a:r>
+          </a:p>
+          <a:p>
+            <a:pPr lvl="1"/>
+            <a:r>
+              <a:rPr lang="en-US" sz="2400" dirty="0"/>
+              <a:t>“Ale” is top choice</a:t>
+            </a:r>
+          </a:p>
+          <a:p>
+            <a:r>
+              <a:rPr lang="en-US" sz="2800" dirty="0"/>
+              <a:t>“of”</a:t>
+            </a:r>
+          </a:p>
+          <a:p>
+            <a:pPr lvl="1"/>
+            <a:r>
+              <a:rPr lang="en-US" sz="2400" dirty="0"/>
+              <a:t>complex name, probably not attributed to type</a:t>
+            </a:r>
+          </a:p>
+          <a:p>
+            <a:r>
+              <a:rPr lang="en-US" sz="2800" dirty="0"/>
+              <a:t>“Barrel” and “Old”</a:t>
+            </a:r>
+          </a:p>
+          <a:p>
+            <a:pPr lvl="1"/>
+            <a:r>
+              <a:rPr lang="en-US" sz="2400" dirty="0"/>
+              <a:t>Aged beers</a:t>
+            </a:r>
+          </a:p>
+          <a:p>
+            <a:r>
+              <a:rPr lang="en-US" sz="2800" dirty="0"/>
+              <a:t>Years</a:t>
+            </a:r>
+          </a:p>
+          <a:p>
+            <a:pPr lvl="1"/>
+            <a:r>
+              <a:rPr lang="en-US" sz="2400" dirty="0"/>
+              <a:t>Good year for hops or an experimental year</a:t>
+            </a:r>
+          </a:p>
+          <a:p>
+            <a:r>
+              <a:rPr lang="en-US" sz="2800" dirty="0"/>
+              <a:t>“Wild”</a:t>
+            </a:r>
+          </a:p>
+          <a:p>
+            <a:pPr lvl="1"/>
+            <a:r>
+              <a:rPr lang="en-US" sz="2400" dirty="0"/>
+              <a:t>Source of beer ingredients</a:t>
+            </a:r>
+          </a:p>
+        </p:txBody>
+      </p:sp>
+    </p:spTree>
+    <p:extLst>
+      <p:ext uri="{BB962C8B-B14F-4D97-AF65-F5344CB8AC3E}">
+        <p14:creationId xmlns:p14="http://schemas.microsoft.com/office/powerpoint/2010/main" val="2079192367"/>
       </p:ext>
     </p:extLst>
   </p:cSld>
@@ -4162,10 +4262,10 @@
       </p:sp>
       <p:pic>
         <p:nvPicPr>
-          <p:cNvPr id="4" name="Picture 3">
-            <a:extLst>
-              <a:ext uri="{FF2B5EF4-FFF2-40B4-BE49-F238E27FC236}">
-                <a16:creationId xmlns:a16="http://schemas.microsoft.com/office/drawing/2014/main" id="{A96752CE-280E-410B-A69F-4514A08C4DB4}"/>
+          <p:cNvPr id="5" name="Picture 4">
+            <a:extLst>
+              <a:ext uri="{FF2B5EF4-FFF2-40B4-BE49-F238E27FC236}">
+                <a16:creationId xmlns:a16="http://schemas.microsoft.com/office/drawing/2014/main" id="{F2253095-FA41-421D-80BB-FBDA9FB1413F}"/>
               </a:ext>
             </a:extLst>
           </p:cNvPr>
@@ -4182,8 +4282,8 @@
         </p:blipFill>
         <p:spPr>
           <a:xfrm>
-            <a:off x="0" y="601579"/>
-            <a:ext cx="9151473" cy="5654841"/>
+            <a:off x="-76335" y="480218"/>
+            <a:ext cx="9220335" cy="5897563"/>
           </a:xfrm>
           <a:prstGeom prst="rect">
             <a:avLst/>
@@ -4367,10 +4467,10 @@
       </p:sp>
       <p:pic>
         <p:nvPicPr>
-          <p:cNvPr id="5" name="Picture 4">
-            <a:extLst>
-              <a:ext uri="{FF2B5EF4-FFF2-40B4-BE49-F238E27FC236}">
-                <a16:creationId xmlns:a16="http://schemas.microsoft.com/office/drawing/2014/main" id="{DC2B77A3-3646-491D-AB0F-DC1C9B64DE35}"/>
+          <p:cNvPr id="4" name="Picture 3">
+            <a:extLst>
+              <a:ext uri="{FF2B5EF4-FFF2-40B4-BE49-F238E27FC236}">
+                <a16:creationId xmlns:a16="http://schemas.microsoft.com/office/drawing/2014/main" id="{A68EAA36-17DC-4D88-A638-AABE88AF3771}"/>
               </a:ext>
             </a:extLst>
           </p:cNvPr>
@@ -4387,8 +4487,8 @@
         </p:blipFill>
         <p:spPr>
           <a:xfrm>
-            <a:off x="228600" y="1371600"/>
-            <a:ext cx="8686800" cy="5367712"/>
+            <a:off x="722545" y="1371600"/>
+            <a:ext cx="7698909" cy="4774323"/>
           </a:xfrm>
           <a:prstGeom prst="rect">
             <a:avLst/>
@@ -4480,10 +4580,10 @@
       </p:sp>
       <p:pic>
         <p:nvPicPr>
-          <p:cNvPr id="4" name="Picture 3">
-            <a:extLst>
-              <a:ext uri="{FF2B5EF4-FFF2-40B4-BE49-F238E27FC236}">
-                <a16:creationId xmlns:a16="http://schemas.microsoft.com/office/drawing/2014/main" id="{A23263FD-D907-478D-8CF6-A3D98F117C64}"/>
+          <p:cNvPr id="5" name="Picture 4">
+            <a:extLst>
+              <a:ext uri="{FF2B5EF4-FFF2-40B4-BE49-F238E27FC236}">
+                <a16:creationId xmlns:a16="http://schemas.microsoft.com/office/drawing/2014/main" id="{07967361-F2A3-4E58-970F-91F99BEE3032}"/>
               </a:ext>
             </a:extLst>
           </p:cNvPr>
@@ -4500,8 +4600,8 @@
         </p:blipFill>
         <p:spPr>
           <a:xfrm>
-            <a:off x="228600" y="1371600"/>
-            <a:ext cx="8686800" cy="5367711"/>
+            <a:off x="876459" y="1463040"/>
+            <a:ext cx="7391082" cy="4536262"/>
           </a:xfrm>
           <a:prstGeom prst="rect">
             <a:avLst/>
